--- a/lections/HTML. Изображения.pptx
+++ b/lections/HTML. Изображения.pptx
@@ -113,6 +113,22 @@
       </a:defRPr>
     </a:lvl9pPr>
   </p:defaultTextStyle>
+  <p:extLst>
+    <p:ext uri="{EFAFB233-063F-42B5-8137-9DF3F51BA10A}">
+      <p15:sldGuideLst xmlns:p15="http://schemas.microsoft.com/office/powerpoint/2012/main">
+        <p15:guide id="1" orient="horz" pos="2160">
+          <p15:clr>
+            <a:srgbClr val="A4A3A4"/>
+          </p15:clr>
+        </p15:guide>
+        <p15:guide id="2" pos="2880">
+          <p15:clr>
+            <a:srgbClr val="A4A3A4"/>
+          </p15:clr>
+        </p15:guide>
+      </p15:sldGuideLst>
+    </p:ext>
+  </p:extLst>
 </p:presentation>
 </file>
 
@@ -297,7 +313,7 @@
           <a:p>
             <a:fld id="{B4C71EC6-210F-42DE-9C53-41977AD35B3D}" type="datetimeFigureOut">
               <a:rPr lang="ru-RU" smtClean="0"/>
-              <a:t>21.10.2017</a:t>
+              <a:t>14.10.2021</a:t>
             </a:fld>
             <a:endParaRPr lang="ru-RU"/>
           </a:p>
@@ -462,7 +478,7 @@
           <a:p>
             <a:fld id="{B4C71EC6-210F-42DE-9C53-41977AD35B3D}" type="datetimeFigureOut">
               <a:rPr lang="ru-RU" smtClean="0"/>
-              <a:t>21.10.2017</a:t>
+              <a:t>14.10.2021</a:t>
             </a:fld>
             <a:endParaRPr lang="ru-RU"/>
           </a:p>
@@ -637,7 +653,7 @@
           <a:p>
             <a:fld id="{B4C71EC6-210F-42DE-9C53-41977AD35B3D}" type="datetimeFigureOut">
               <a:rPr lang="ru-RU" smtClean="0"/>
-              <a:t>21.10.2017</a:t>
+              <a:t>14.10.2021</a:t>
             </a:fld>
             <a:endParaRPr lang="ru-RU"/>
           </a:p>
@@ -802,7 +818,7 @@
           <a:p>
             <a:fld id="{B4C71EC6-210F-42DE-9C53-41977AD35B3D}" type="datetimeFigureOut">
               <a:rPr lang="ru-RU" smtClean="0"/>
-              <a:t>21.10.2017</a:t>
+              <a:t>14.10.2021</a:t>
             </a:fld>
             <a:endParaRPr lang="ru-RU"/>
           </a:p>
@@ -1043,7 +1059,7 @@
           <a:p>
             <a:fld id="{B4C71EC6-210F-42DE-9C53-41977AD35B3D}" type="datetimeFigureOut">
               <a:rPr lang="ru-RU" smtClean="0"/>
-              <a:t>21.10.2017</a:t>
+              <a:t>14.10.2021</a:t>
             </a:fld>
             <a:endParaRPr lang="ru-RU"/>
           </a:p>
@@ -1326,7 +1342,7 @@
           <a:p>
             <a:fld id="{B4C71EC6-210F-42DE-9C53-41977AD35B3D}" type="datetimeFigureOut">
               <a:rPr lang="ru-RU" smtClean="0"/>
-              <a:t>21.10.2017</a:t>
+              <a:t>14.10.2021</a:t>
             </a:fld>
             <a:endParaRPr lang="ru-RU"/>
           </a:p>
@@ -1743,7 +1759,7 @@
           <a:p>
             <a:fld id="{B4C71EC6-210F-42DE-9C53-41977AD35B3D}" type="datetimeFigureOut">
               <a:rPr lang="ru-RU" smtClean="0"/>
-              <a:t>21.10.2017</a:t>
+              <a:t>14.10.2021</a:t>
             </a:fld>
             <a:endParaRPr lang="ru-RU"/>
           </a:p>
@@ -1856,7 +1872,7 @@
           <a:p>
             <a:fld id="{B4C71EC6-210F-42DE-9C53-41977AD35B3D}" type="datetimeFigureOut">
               <a:rPr lang="ru-RU" smtClean="0"/>
-              <a:t>21.10.2017</a:t>
+              <a:t>14.10.2021</a:t>
             </a:fld>
             <a:endParaRPr lang="ru-RU"/>
           </a:p>
@@ -1946,7 +1962,7 @@
           <a:p>
             <a:fld id="{B4C71EC6-210F-42DE-9C53-41977AD35B3D}" type="datetimeFigureOut">
               <a:rPr lang="ru-RU" smtClean="0"/>
-              <a:t>21.10.2017</a:t>
+              <a:t>14.10.2021</a:t>
             </a:fld>
             <a:endParaRPr lang="ru-RU"/>
           </a:p>
@@ -2218,7 +2234,7 @@
           <a:p>
             <a:fld id="{B4C71EC6-210F-42DE-9C53-41977AD35B3D}" type="datetimeFigureOut">
               <a:rPr lang="ru-RU" smtClean="0"/>
-              <a:t>21.10.2017</a:t>
+              <a:t>14.10.2021</a:t>
             </a:fld>
             <a:endParaRPr lang="ru-RU"/>
           </a:p>
@@ -2466,7 +2482,7 @@
           <a:p>
             <a:fld id="{B4C71EC6-210F-42DE-9C53-41977AD35B3D}" type="datetimeFigureOut">
               <a:rPr lang="ru-RU" smtClean="0"/>
-              <a:t>21.10.2017</a:t>
+              <a:t>14.10.2021</a:t>
             </a:fld>
             <a:endParaRPr lang="ru-RU"/>
           </a:p>
@@ -2674,7 +2690,7 @@
           <a:p>
             <a:fld id="{B4C71EC6-210F-42DE-9C53-41977AD35B3D}" type="datetimeFigureOut">
               <a:rPr lang="ru-RU" smtClean="0"/>
-              <a:t>21.10.2017</a:t>
+              <a:t>14.10.2021</a:t>
             </a:fld>
             <a:endParaRPr lang="ru-RU"/>
           </a:p>
@@ -3834,11 +3850,6 @@
               </a:rPr>
               <a:t>Атрибуты</a:t>
             </a:r>
-            <a:endParaRPr lang="ru-RU" dirty="0" smtClean="0">
-              <a:solidFill>
-                <a:srgbClr val="C00000"/>
-              </a:solidFill>
-            </a:endParaRPr>
           </a:p>
           <a:p>
             <a:pPr marL="0" indent="0">
@@ -4243,7 +4254,6 @@
               <a:rPr lang="ru-RU" dirty="0"/>
               <a:t>размеры изображения для разных макетов страницы</a:t>
             </a:r>
-            <a:endParaRPr lang="ru-RU" dirty="0"/>
           </a:p>
           <a:p>
             <a:pPr marL="0" indent="0">
@@ -4281,7 +4291,6 @@
               <a:rPr lang="ru-RU" dirty="0"/>
               <a:t>к графическим файлам с учётом размера изображения и устройств</a:t>
             </a:r>
-            <a:endParaRPr lang="ru-RU" dirty="0"/>
           </a:p>
         </p:txBody>
       </p:sp>
@@ -4577,15 +4586,7 @@
                   <a:srgbClr val="00B050"/>
                 </a:solidFill>
               </a:rPr>
-              <a:t>&lt;picture&gt;</a:t>
-            </a:r>
-            <a:r>
-              <a:rPr lang="en-US" dirty="0">
-                <a:solidFill>
-                  <a:srgbClr val="00B050"/>
-                </a:solidFill>
-              </a:rPr>
-              <a:t> </a:t>
+              <a:t>&lt;picture&gt; </a:t>
             </a:r>
             <a:endParaRPr lang="en-US" dirty="0" smtClean="0">
               <a:solidFill>
@@ -5310,7 +5311,9 @@
         </p:nvSpPr>
         <p:spPr/>
         <p:txBody>
-          <a:bodyPr/>
+          <a:bodyPr>
+            <a:normAutofit/>
+          </a:bodyPr>
           <a:lstStyle/>
           <a:p>
             <a:pPr marL="0" indent="0">
@@ -5398,6 +5401,72 @@
               </a:rPr>
               <a:t>border-top-right-radius</a:t>
             </a:r>
+            <a:endParaRPr lang="ru-RU" sz="3200" dirty="0">
+              <a:solidFill>
+                <a:srgbClr val="0070C0"/>
+              </a:solidFill>
+            </a:endParaRPr>
+          </a:p>
+          <a:p>
+            <a:pPr marL="0" lvl="2" indent="0">
+              <a:buNone/>
+            </a:pPr>
+            <a:r>
+              <a:rPr lang="en-US" sz="3200" dirty="0" smtClean="0">
+                <a:solidFill>
+                  <a:srgbClr val="0070C0"/>
+                </a:solidFill>
+              </a:rPr>
+              <a:t>border-width </a:t>
+            </a:r>
+            <a:r>
+              <a:rPr lang="en-US" sz="3200" dirty="0"/>
+              <a:t>– </a:t>
+            </a:r>
+            <a:r>
+              <a:rPr lang="ru-RU" sz="3200" dirty="0" smtClean="0"/>
+              <a:t>толщина рамки</a:t>
+            </a:r>
+            <a:endParaRPr lang="en-US" sz="3200" dirty="0" smtClean="0">
+              <a:solidFill>
+                <a:srgbClr val="0070C0"/>
+              </a:solidFill>
+            </a:endParaRPr>
+          </a:p>
+          <a:p>
+            <a:pPr marL="0" lvl="2" indent="0">
+              <a:buNone/>
+            </a:pPr>
+            <a:r>
+              <a:rPr lang="en-US" sz="3200" dirty="0" smtClean="0">
+                <a:solidFill>
+                  <a:srgbClr val="0070C0"/>
+                </a:solidFill>
+              </a:rPr>
+              <a:t>b</a:t>
+            </a:r>
+            <a:r>
+              <a:rPr lang="en-US" sz="3200" dirty="0" smtClean="0">
+                <a:solidFill>
+                  <a:srgbClr val="0070C0"/>
+                </a:solidFill>
+              </a:rPr>
+              <a:t>order-color </a:t>
+            </a:r>
+            <a:r>
+              <a:rPr lang="en-US" sz="3200" dirty="0" smtClean="0"/>
+              <a:t>– </a:t>
+            </a:r>
+            <a:r>
+              <a:rPr lang="ru-RU" sz="3200" dirty="0" smtClean="0"/>
+              <a:t>цвет рамки</a:t>
+            </a:r>
+            <a:endParaRPr lang="ru-RU" sz="3200" dirty="0"/>
+          </a:p>
+          <a:p>
+            <a:pPr marL="0" lvl="2" indent="0">
+              <a:buNone/>
+            </a:pPr>
             <a:endParaRPr lang="en-US" sz="3200" dirty="0">
               <a:solidFill>
                 <a:srgbClr val="0070C0"/>
